--- a/Sympy/slides/Campos Vetoriais.pptx
+++ b/Sympy/slides/Campos Vetoriais.pptx
@@ -5,10 +5,10 @@
     <p:sldMasterId id="2147483648" r:id="rId1"/>
   </p:sldMasterIdLst>
   <p:notesMasterIdLst>
-    <p:notesMasterId r:id="rId10"/>
+    <p:notesMasterId r:id="rId13"/>
   </p:notesMasterIdLst>
   <p:handoutMasterIdLst>
-    <p:handoutMasterId r:id="rId11"/>
+    <p:handoutMasterId r:id="rId14"/>
   </p:handoutMasterIdLst>
   <p:sldIdLst>
     <p:sldId id="256" r:id="rId3"/>
@@ -18,6 +18,9 @@
     <p:sldId id="262" r:id="rId7"/>
     <p:sldId id="264" r:id="rId8"/>
     <p:sldId id="258" r:id="rId9"/>
+    <p:sldId id="266" r:id="rId10"/>
+    <p:sldId id="267" r:id="rId11"/>
+    <p:sldId id="268" r:id="rId12"/>
   </p:sldIdLst>
   <p:sldSz cx="12192000" cy="6858000"/>
   <p:notesSz cx="7103745" cy="10234295"/>
@@ -13827,6 +13830,277 @@
 </p:sld>
 </file>
 
+<file path=ppt/slides/slide10.xml><?xml version="1.0" encoding="utf-8"?>
+<p:sld xmlns:a="http://schemas.openxmlformats.org/drawingml/2006/main" xmlns:r="http://schemas.openxmlformats.org/officeDocument/2006/relationships" xmlns:p="http://schemas.openxmlformats.org/presentationml/2006/main">
+  <p:cSld>
+    <p:spTree>
+      <p:nvGrpSpPr>
+        <p:cNvPr id="1" name=""/>
+        <p:cNvGrpSpPr/>
+        <p:nvPr/>
+      </p:nvGrpSpPr>
+      <p:grpSpPr/>
+      <p:sp>
+        <p:nvSpPr>
+          <p:cNvPr id="2" name="Title 1"/>
+          <p:cNvSpPr>
+            <a:spLocks noGrp="true"/>
+          </p:cNvSpPr>
+          <p:nvPr>
+            <p:ph type="title"/>
+          </p:nvPr>
+        </p:nvSpPr>
+        <p:spPr/>
+        <p:txBody>
+          <a:bodyPr/>
+          <a:p>
+            <a:r>
+              <a:rPr lang="pt-PT" altLang="en-US" sz="3600" u="sng"/>
+              <a:t>Campo vetorial conservativo</a:t>
+            </a:r>
+            <a:endParaRPr lang="pt-PT" altLang="en-US" sz="3600" u="sng"/>
+          </a:p>
+        </p:txBody>
+      </p:sp>
+      <mc:AlternateContent xmlns:mc="http://schemas.openxmlformats.org/markup-compatibility/2006">
+        <mc:Choice xmlns:a14="http://schemas.microsoft.com/office/drawing/2010/main" Requires="a14">
+          <p:sp>
+            <p:nvSpPr>
+              <p:cNvPr id="180" name="Content Placeholder 179"/>
+              <p:cNvSpPr/>
+              <p:nvPr>
+                <p:ph idx="1"/>
+              </p:nvPr>
+            </p:nvSpPr>
+            <p:spPr/>
+            <p:txBody>
+              <a:bodyPr/>
+              <a:p>
+                <a:r>
+                  <a:t>Um campo vetorial </a:t>
+                </a:r>
+                <a14:m>
+                  <m:oMath xmlns:m="http://schemas.openxmlformats.org/officeDocument/2006/math">
+                    <m:r>
+                      <m:rPr>
+                        <m:sty m:val="p"/>
+                      </m:rPr>
+                      <a:rPr lang="en-US">
+                        <a:latin typeface="DejaVu Math TeX Gyre" panose="02000503000000000000" charset="0"/>
+                        <a:cs typeface="DejaVu Math TeX Gyre" panose="02000503000000000000" charset="0"/>
+                      </a:rPr>
+                      <m:t>F</m:t>
+                    </m:r>
+                  </m:oMath>
+                </a14:m>
+                <a:r>
+                  <a:t> é chamado </a:t>
+                </a:r>
+                <a:r>
+                  <a:rPr b="1"/>
+                  <a:t>campo vetorial conservativo</a:t>
+                </a:r>
+                <a:r>
+                  <a:t> se ele for o gradiente de</a:t>
+                </a:r>
+              </a:p>
+              <a:p>
+                <a:pPr marL="0" indent="0">
+                  <a:buNone/>
+                </a:pPr>
+                <a:r>
+                  <a:t>alguma função escalar, ou seja, se existir uma função f tal que F</a:t>
+                </a:r>
+                <a:r>
+                  <a:rPr lang="pt-PT"/>
+                  <a:t>=</a:t>
+                </a:r>
+                <a:r>
+                  <a:t> </a:t>
+                </a:r>
+                <a:r>
+                  <a:rPr lang="pt-PT"/>
+                  <a:t> grad </a:t>
+                </a:r>
+                <a14:m>
+                  <m:oMath xmlns:m="http://schemas.openxmlformats.org/officeDocument/2006/math">
+                    <m:r>
+                      <m:rPr>
+                        <m:sty m:val="p"/>
+                      </m:rPr>
+                      <a:rPr lang="en-US">
+                        <a:latin typeface="DejaVu Math TeX Gyre" panose="02000503000000000000" charset="0"/>
+                        <a:cs typeface="DejaVu Math TeX Gyre" panose="02000503000000000000" charset="0"/>
+                      </a:rPr>
+                      <m:t>f</m:t>
+                    </m:r>
+                  </m:oMath>
+                </a14:m>
+                <a:r>
+                  <a:t>. Nessa situação,</a:t>
+                </a:r>
+              </a:p>
+              <a:p>
+                <a:pPr marL="0" indent="0">
+                  <a:buNone/>
+                </a:pPr>
+                <a:r>
+                  <a:t> </a:t>
+                </a:r>
+                <a14:m>
+                  <m:oMath xmlns:m="http://schemas.openxmlformats.org/officeDocument/2006/math">
+                    <m:r>
+                      <m:rPr>
+                        <m:sty m:val="p"/>
+                      </m:rPr>
+                      <a:rPr lang="en-US">
+                        <a:latin typeface="DejaVu Math TeX Gyre" panose="02000503000000000000" charset="0"/>
+                        <a:cs typeface="DejaVu Math TeX Gyre" panose="02000503000000000000" charset="0"/>
+                      </a:rPr>
+                      <m:t>f</m:t>
+                    </m:r>
+                    <m:r>
+                      <a:rPr lang="en-US">
+                        <a:latin typeface="DejaVu Math TeX Gyre" panose="02000503000000000000" charset="0"/>
+                        <a:cs typeface="DejaVu Math TeX Gyre" panose="02000503000000000000" charset="0"/>
+                      </a:rPr>
+                      <m:t> </m:t>
+                    </m:r>
+                  </m:oMath>
+                </a14:m>
+                <a:r>
+                  <a:t>é</a:t>
+                </a:r>
+                <a:r>
+                  <a:rPr lang="pt-PT"/>
+                  <a:t> </a:t>
+                </a:r>
+                <a:r>
+                  <a:t>denominada </a:t>
+                </a:r>
+                <a:r>
+                  <a:rPr b="1"/>
+                  <a:t>função potencial de F</a:t>
+                </a:r>
+                <a:r>
+                  <a:t>.</a:t>
+                </a:r>
+              </a:p>
+              <a:p>
+                <a:pPr marL="0" indent="0">
+                  <a:buNone/>
+                </a:pPr>
+                <a:endParaRPr lang="pt-PT" altLang="en-US"/>
+              </a:p>
+              <a:p>
+                <a:r>
+                  <a:rPr lang="pt-PT" altLang="en-US"/>
+                  <a:t>Campo gravitacional é um campo vetorial conservativo</a:t>
+                </a:r>
+                <a:endParaRPr lang="pt-PT" altLang="en-US"/>
+              </a:p>
+              <a:p>
+                <a:endParaRPr lang="pt-PT" altLang="en-US"/>
+              </a:p>
+              <a:p>
+                <a:endParaRPr lang="pt-PT" altLang="en-US"/>
+              </a:p>
+              <a:p>
+                <a:endParaRPr lang="pt-PT" altLang="en-US"/>
+              </a:p>
+            </p:txBody>
+          </p:sp>
+        </mc:Choice>
+        <mc:Fallback>
+          <p:sp>
+            <p:nvSpPr>
+              <p:cNvPr id="180" name="Content Placeholder 179"/>
+              <p:cNvSpPr>
+                <a:spLocks noRot="true" noChangeAspect="true" noMove="true" noResize="true" noEditPoints="true" noAdjustHandles="true" noChangeArrowheads="true" noChangeShapeType="true" noTextEdit="true"/>
+              </p:cNvSpPr>
+              <p:nvPr>
+                <p:ph idx="1"/>
+              </p:nvPr>
+            </p:nvSpPr>
+            <p:spPr>
+              <a:blipFill rotWithShape="true">
+                <a:blip r:embed="rId1"/>
+                <a:stretch>
+                  <a:fillRect b="7"/>
+                </a:stretch>
+              </a:blipFill>
+            </p:spPr>
+            <p:txBody>
+              <a:bodyPr/>
+              <a:lstStyle/>
+              <a:p>
+                <a:r>
+                  <a:rPr lang="en-US" altLang="en-US">
+                    <a:noFill/>
+                  </a:rPr>
+                  <a:t> </a:t>
+                </a:r>
+              </a:p>
+            </p:txBody>
+          </p:sp>
+        </mc:Fallback>
+      </mc:AlternateContent>
+      <p:pic>
+        <p:nvPicPr>
+          <p:cNvPr id="4" name="Picture 3" descr="conservtivo_grav"/>
+          <p:cNvPicPr>
+            <a:picLocks noChangeAspect="true"/>
+          </p:cNvPicPr>
+          <p:nvPr/>
+        </p:nvPicPr>
+        <p:blipFill>
+          <a:blip r:embed="rId2"/>
+          <a:stretch>
+            <a:fillRect/>
+          </a:stretch>
+        </p:blipFill>
+        <p:spPr>
+          <a:xfrm>
+            <a:off x="3907790" y="3843020"/>
+            <a:ext cx="3995420" cy="839470"/>
+          </a:xfrm>
+          <a:prstGeom prst="rect">
+            <a:avLst/>
+          </a:prstGeom>
+        </p:spPr>
+      </p:pic>
+      <p:pic>
+        <p:nvPicPr>
+          <p:cNvPr id="5" name="Picture 4" descr="conservtivo_grav2"/>
+          <p:cNvPicPr>
+            <a:picLocks noChangeAspect="true"/>
+          </p:cNvPicPr>
+          <p:nvPr/>
+        </p:nvPicPr>
+        <p:blipFill>
+          <a:blip r:embed="rId3"/>
+          <a:stretch>
+            <a:fillRect/>
+          </a:stretch>
+        </p:blipFill>
+        <p:spPr>
+          <a:xfrm>
+            <a:off x="2056765" y="4802505"/>
+            <a:ext cx="8077835" cy="2045970"/>
+          </a:xfrm>
+          <a:prstGeom prst="rect">
+            <a:avLst/>
+          </a:prstGeom>
+        </p:spPr>
+      </p:pic>
+    </p:spTree>
+  </p:cSld>
+  <p:clrMapOvr>
+    <a:masterClrMapping/>
+  </p:clrMapOvr>
+</p:sld>
+</file>
+
 <file path=ppt/slides/slide2.xml><?xml version="1.0" encoding="utf-8"?>
 <p:sld xmlns:a="http://schemas.openxmlformats.org/drawingml/2006/main" xmlns:r="http://schemas.openxmlformats.org/officeDocument/2006/relationships" xmlns:p="http://schemas.openxmlformats.org/presentationml/2006/main">
   <p:cSld>
@@ -26488,6 +26762,301 @@
           </p:pic>
         </mc:Fallback>
       </mc:AlternateContent>
+    </p:spTree>
+  </p:cSld>
+  <p:clrMapOvr>
+    <a:masterClrMapping/>
+  </p:clrMapOvr>
+</p:sld>
+</file>
+
+<file path=ppt/slides/slide8.xml><?xml version="1.0" encoding="utf-8"?>
+<p:sld xmlns:a="http://schemas.openxmlformats.org/drawingml/2006/main" xmlns:r="http://schemas.openxmlformats.org/officeDocument/2006/relationships" xmlns:p="http://schemas.openxmlformats.org/presentationml/2006/main">
+  <p:cSld>
+    <p:spTree>
+      <p:nvGrpSpPr>
+        <p:cNvPr id="1" name=""/>
+        <p:cNvGrpSpPr/>
+        <p:nvPr/>
+      </p:nvGrpSpPr>
+      <p:grpSpPr/>
+      <p:sp>
+        <p:nvSpPr>
+          <p:cNvPr id="2" name="Title 1"/>
+          <p:cNvSpPr>
+            <a:spLocks noGrp="true"/>
+          </p:cNvSpPr>
+          <p:nvPr>
+            <p:ph type="title"/>
+          </p:nvPr>
+        </p:nvSpPr>
+        <p:spPr/>
+        <p:txBody>
+          <a:bodyPr/>
+          <a:p>
+            <a:r>
+              <a:rPr lang="pt-PT" altLang="en-US" sz="3600" u="sng"/>
+              <a:t>Campos Gradiente - intuição</a:t>
+            </a:r>
+            <a:endParaRPr lang="pt-PT" altLang="en-US" sz="3600" u="sng"/>
+          </a:p>
+        </p:txBody>
+      </p:sp>
+      <p:sp>
+        <p:nvSpPr>
+          <p:cNvPr id="180" name="Content Placeholder 179"/>
+          <p:cNvSpPr/>
+          <p:nvPr>
+            <p:ph idx="1"/>
+          </p:nvPr>
+        </p:nvSpPr>
+        <p:spPr/>
+        <p:txBody>
+          <a:bodyPr/>
+          <a:p>
+            <a:r>
+              <a:rPr lang="pt-PT" altLang="en-US"/>
+              <a:t>Campos gradiente e a variação da função</a:t>
+            </a:r>
+            <a:endParaRPr lang="pt-PT" altLang="en-US"/>
+          </a:p>
+          <a:p>
+            <a:endParaRPr lang="pt-PT" altLang="en-US"/>
+          </a:p>
+          <a:p>
+            <a:endParaRPr lang="pt-PT" altLang="en-US"/>
+          </a:p>
+          <a:p>
+            <a:endParaRPr lang="pt-PT" altLang="en-US"/>
+          </a:p>
+          <a:p>
+            <a:endParaRPr lang="pt-PT" altLang="en-US"/>
+          </a:p>
+          <a:p>
+            <a:endParaRPr lang="pt-PT" altLang="en-US"/>
+          </a:p>
+          <a:p>
+            <a:r>
+              <a:rPr lang="pt-PT" altLang="en-US"/>
+              <a:t>Campos gradiente e as curvas de nivel</a:t>
+            </a:r>
+            <a:endParaRPr lang="pt-PT" altLang="en-US"/>
+          </a:p>
+          <a:p>
+            <a:endParaRPr lang="pt-PT" altLang="en-US"/>
+          </a:p>
+        </p:txBody>
+      </p:sp>
+      <p:pic>
+        <p:nvPicPr>
+          <p:cNvPr id="181" name="Picture 180" descr="gradiente"/>
+          <p:cNvPicPr>
+            <a:picLocks noChangeAspect="true"/>
+          </p:cNvPicPr>
+          <p:nvPr/>
+        </p:nvPicPr>
+        <p:blipFill>
+          <a:blip r:embed="rId1"/>
+          <a:stretch>
+            <a:fillRect/>
+          </a:stretch>
+        </p:blipFill>
+        <p:spPr>
+          <a:xfrm>
+            <a:off x="5106670" y="3739515"/>
+            <a:ext cx="3181350" cy="3143250"/>
+          </a:xfrm>
+          <a:prstGeom prst="rect">
+            <a:avLst/>
+          </a:prstGeom>
+        </p:spPr>
+      </p:pic>
+      <p:pic>
+        <p:nvPicPr>
+          <p:cNvPr id="182" name="Picture 181" descr="gradiente1"/>
+          <p:cNvPicPr>
+            <a:picLocks noChangeAspect="true"/>
+          </p:cNvPicPr>
+          <p:nvPr/>
+        </p:nvPicPr>
+        <p:blipFill>
+          <a:blip r:embed="rId2"/>
+          <a:stretch>
+            <a:fillRect/>
+          </a:stretch>
+        </p:blipFill>
+        <p:spPr>
+          <a:xfrm>
+            <a:off x="7969250" y="958215"/>
+            <a:ext cx="4107815" cy="3331845"/>
+          </a:xfrm>
+          <a:prstGeom prst="rect">
+            <a:avLst/>
+          </a:prstGeom>
+        </p:spPr>
+      </p:pic>
+    </p:spTree>
+  </p:cSld>
+  <p:clrMapOvr>
+    <a:masterClrMapping/>
+  </p:clrMapOvr>
+</p:sld>
+</file>
+
+<file path=ppt/slides/slide9.xml><?xml version="1.0" encoding="utf-8"?>
+<p:sld xmlns:a="http://schemas.openxmlformats.org/drawingml/2006/main" xmlns:r="http://schemas.openxmlformats.org/officeDocument/2006/relationships" xmlns:p="http://schemas.openxmlformats.org/presentationml/2006/main">
+  <p:cSld>
+    <p:spTree>
+      <p:nvGrpSpPr>
+        <p:cNvPr id="1" name=""/>
+        <p:cNvGrpSpPr/>
+        <p:nvPr/>
+      </p:nvGrpSpPr>
+      <p:grpSpPr/>
+      <p:sp>
+        <p:nvSpPr>
+          <p:cNvPr id="2" name="Title 1"/>
+          <p:cNvSpPr>
+            <a:spLocks noGrp="true"/>
+          </p:cNvSpPr>
+          <p:nvPr>
+            <p:ph type="title"/>
+          </p:nvPr>
+        </p:nvSpPr>
+        <p:spPr/>
+        <p:txBody>
+          <a:bodyPr/>
+          <a:p>
+            <a:r>
+              <a:rPr lang="pt-PT" altLang="en-US" sz="3600" u="sng"/>
+              <a:t>Campos Gradiente</a:t>
+            </a:r>
+            <a:endParaRPr lang="pt-PT" altLang="en-US" sz="3600" u="sng"/>
+          </a:p>
+        </p:txBody>
+      </p:sp>
+      <mc:AlternateContent xmlns:mc="http://schemas.openxmlformats.org/markup-compatibility/2006">
+        <mc:Choice xmlns:a14="http://schemas.microsoft.com/office/drawing/2010/main" Requires="a14">
+          <p:sp>
+            <p:nvSpPr>
+              <p:cNvPr id="180" name="Content Placeholder 179"/>
+              <p:cNvSpPr/>
+              <p:nvPr>
+                <p:ph idx="1"/>
+              </p:nvPr>
+            </p:nvSpPr>
+            <p:spPr/>
+            <p:txBody>
+              <a:bodyPr/>
+              <a:p>
+                <a:r>
+                  <a:rPr lang="pt-PT" altLang="en-US"/>
+                  <a:t>Se </a:t>
+                </a:r>
+                <a14:m>
+                  <m:oMath xmlns:m="http://schemas.openxmlformats.org/officeDocument/2006/math">
+                    <m:r>
+                      <a:rPr lang="en-US" altLang="pt-PT" i="1">
+                        <a:latin typeface="DejaVu Math TeX Gyre" panose="02000503000000000000" charset="0"/>
+                        <a:cs typeface="DejaVu Math TeX Gyre" panose="02000503000000000000" charset="0"/>
+                      </a:rPr>
+                      <m:t>𝑓</m:t>
+                    </m:r>
+                    <m:r>
+                      <a:rPr lang="en-US" altLang="pt-PT" i="1">
+                        <a:latin typeface="DejaVu Math TeX Gyre" panose="02000503000000000000" charset="0"/>
+                        <a:cs typeface="DejaVu Math TeX Gyre" panose="02000503000000000000" charset="0"/>
+                      </a:rPr>
+                      <m:t> </m:t>
+                    </m:r>
+                  </m:oMath>
+                </a14:m>
+                <a:r>
+                  <a:rPr lang="pt-PT" altLang="en-US" i="1"/>
+                  <a:t> </a:t>
+                </a:r>
+                <a:r>
+                  <a:rPr lang="pt-PT" altLang="en-US"/>
+                  <a:t>for uma função escalar de tres variaveis, o seu gradiente é definido como</a:t>
+                </a:r>
+                <a:endParaRPr lang="pt-PT" altLang="en-US"/>
+              </a:p>
+              <a:p>
+                <a:endParaRPr lang="pt-PT" altLang="en-US"/>
+              </a:p>
+              <a:p>
+                <a:endParaRPr lang="pt-PT" altLang="en-US"/>
+              </a:p>
+              <a:p>
+                <a:endParaRPr lang="pt-PT" altLang="en-US"/>
+              </a:p>
+              <a:p>
+                <a:endParaRPr lang="pt-PT" altLang="en-US"/>
+              </a:p>
+              <a:p>
+                <a:endParaRPr lang="pt-PT" altLang="en-US"/>
+              </a:p>
+            </p:txBody>
+          </p:sp>
+        </mc:Choice>
+        <mc:Fallback>
+          <p:sp>
+            <p:nvSpPr>
+              <p:cNvPr id="180" name="Content Placeholder 179"/>
+              <p:cNvSpPr>
+                <a:spLocks noRot="true" noChangeAspect="true" noMove="true" noResize="true" noEditPoints="true" noAdjustHandles="true" noChangeArrowheads="true" noChangeShapeType="true" noTextEdit="true"/>
+              </p:cNvSpPr>
+              <p:nvPr>
+                <p:ph idx="1"/>
+              </p:nvPr>
+            </p:nvSpPr>
+            <p:spPr>
+              <a:blipFill rotWithShape="true">
+                <a:blip r:embed="rId1"/>
+                <a:stretch>
+                  <a:fillRect b="7"/>
+                </a:stretch>
+              </a:blipFill>
+            </p:spPr>
+            <p:txBody>
+              <a:bodyPr/>
+              <a:lstStyle/>
+              <a:p>
+                <a:r>
+                  <a:rPr lang="en-US" altLang="en-US">
+                    <a:noFill/>
+                  </a:rPr>
+                  <a:t> </a:t>
+                </a:r>
+              </a:p>
+            </p:txBody>
+          </p:sp>
+        </mc:Fallback>
+      </mc:AlternateContent>
+      <p:pic>
+        <p:nvPicPr>
+          <p:cNvPr id="3" name="Picture 2" descr="gradiente_eq"/>
+          <p:cNvPicPr>
+            <a:picLocks noChangeAspect="true"/>
+          </p:cNvPicPr>
+          <p:nvPr/>
+        </p:nvPicPr>
+        <p:blipFill>
+          <a:blip r:embed="rId2"/>
+          <a:stretch>
+            <a:fillRect/>
+          </a:stretch>
+        </p:blipFill>
+        <p:spPr>
+          <a:xfrm>
+            <a:off x="1894205" y="3249295"/>
+            <a:ext cx="8160385" cy="718185"/>
+          </a:xfrm>
+          <a:prstGeom prst="rect">
+            <a:avLst/>
+          </a:prstGeom>
+        </p:spPr>
+      </p:pic>
     </p:spTree>
   </p:cSld>
   <p:clrMapOvr>
